--- a/figures.pptx
+++ b/figures.pptx
@@ -24,6 +24,7 @@
     <p:sldId id="271" r:id="rId18"/>
     <p:sldId id="273" r:id="rId19"/>
     <p:sldId id="274" r:id="rId20"/>
+    <p:sldId id="275" r:id="rId21"/>
   </p:sldIdLst>
   <p:sldSz cx="12192000" cy="6858000"/>
   <p:notesSz cx="6858000" cy="9144000"/>
@@ -146,6 +147,7 @@
             <p14:sldId id="271"/>
             <p14:sldId id="273"/>
             <p14:sldId id="274"/>
+            <p14:sldId id="275"/>
           </p14:sldIdLst>
         </p14:section>
       </p14:sectionLst>
@@ -2432,7 +2434,7 @@
           <a:p>
             <a:fld id="{2DDAFEED-1BFD-4B29-8449-AD7AC9510837}" type="datetimeFigureOut">
               <a:rPr lang="en-US" smtClean="0"/>
-              <a:t>11/5/2018</a:t>
+              <a:t>11/25/2018</a:t>
             </a:fld>
             <a:endParaRPr lang="en-US"/>
           </a:p>
@@ -2630,7 +2632,7 @@
           <a:p>
             <a:fld id="{2DDAFEED-1BFD-4B29-8449-AD7AC9510837}" type="datetimeFigureOut">
               <a:rPr lang="en-US" smtClean="0"/>
-              <a:t>11/5/2018</a:t>
+              <a:t>11/25/2018</a:t>
             </a:fld>
             <a:endParaRPr lang="en-US"/>
           </a:p>
@@ -2838,7 +2840,7 @@
           <a:p>
             <a:fld id="{2DDAFEED-1BFD-4B29-8449-AD7AC9510837}" type="datetimeFigureOut">
               <a:rPr lang="en-US" smtClean="0"/>
-              <a:t>11/5/2018</a:t>
+              <a:t>11/25/2018</a:t>
             </a:fld>
             <a:endParaRPr lang="en-US"/>
           </a:p>
@@ -3036,7 +3038,7 @@
           <a:p>
             <a:fld id="{2DDAFEED-1BFD-4B29-8449-AD7AC9510837}" type="datetimeFigureOut">
               <a:rPr lang="en-US" smtClean="0"/>
-              <a:t>11/5/2018</a:t>
+              <a:t>11/25/2018</a:t>
             </a:fld>
             <a:endParaRPr lang="en-US"/>
           </a:p>
@@ -3311,7 +3313,7 @@
           <a:p>
             <a:fld id="{2DDAFEED-1BFD-4B29-8449-AD7AC9510837}" type="datetimeFigureOut">
               <a:rPr lang="en-US" smtClean="0"/>
-              <a:t>11/5/2018</a:t>
+              <a:t>11/25/2018</a:t>
             </a:fld>
             <a:endParaRPr lang="en-US"/>
           </a:p>
@@ -3576,7 +3578,7 @@
           <a:p>
             <a:fld id="{2DDAFEED-1BFD-4B29-8449-AD7AC9510837}" type="datetimeFigureOut">
               <a:rPr lang="en-US" smtClean="0"/>
-              <a:t>11/5/2018</a:t>
+              <a:t>11/25/2018</a:t>
             </a:fld>
             <a:endParaRPr lang="en-US"/>
           </a:p>
@@ -3988,7 +3990,7 @@
           <a:p>
             <a:fld id="{2DDAFEED-1BFD-4B29-8449-AD7AC9510837}" type="datetimeFigureOut">
               <a:rPr lang="en-US" smtClean="0"/>
-              <a:t>11/5/2018</a:t>
+              <a:t>11/25/2018</a:t>
             </a:fld>
             <a:endParaRPr lang="en-US"/>
           </a:p>
@@ -4129,7 +4131,7 @@
           <a:p>
             <a:fld id="{2DDAFEED-1BFD-4B29-8449-AD7AC9510837}" type="datetimeFigureOut">
               <a:rPr lang="en-US" smtClean="0"/>
-              <a:t>11/5/2018</a:t>
+              <a:t>11/25/2018</a:t>
             </a:fld>
             <a:endParaRPr lang="en-US"/>
           </a:p>
@@ -4242,7 +4244,7 @@
           <a:p>
             <a:fld id="{2DDAFEED-1BFD-4B29-8449-AD7AC9510837}" type="datetimeFigureOut">
               <a:rPr lang="en-US" smtClean="0"/>
-              <a:t>11/5/2018</a:t>
+              <a:t>11/25/2018</a:t>
             </a:fld>
             <a:endParaRPr lang="en-US"/>
           </a:p>
@@ -4553,7 +4555,7 @@
           <a:p>
             <a:fld id="{2DDAFEED-1BFD-4B29-8449-AD7AC9510837}" type="datetimeFigureOut">
               <a:rPr lang="en-US" smtClean="0"/>
-              <a:t>11/5/2018</a:t>
+              <a:t>11/25/2018</a:t>
             </a:fld>
             <a:endParaRPr lang="en-US"/>
           </a:p>
@@ -4841,7 +4843,7 @@
           <a:p>
             <a:fld id="{2DDAFEED-1BFD-4B29-8449-AD7AC9510837}" type="datetimeFigureOut">
               <a:rPr lang="en-US" smtClean="0"/>
-              <a:t>11/5/2018</a:t>
+              <a:t>11/25/2018</a:t>
             </a:fld>
             <a:endParaRPr lang="en-US"/>
           </a:p>
@@ -5082,7 +5084,7 @@
           <a:p>
             <a:fld id="{2DDAFEED-1BFD-4B29-8449-AD7AC9510837}" type="datetimeFigureOut">
               <a:rPr lang="en-US" smtClean="0"/>
-              <a:t>11/5/2018</a:t>
+              <a:t>11/25/2018</a:t>
             </a:fld>
             <a:endParaRPr lang="en-US"/>
           </a:p>
@@ -19559,6 +19561,164 @@
     <p:extLst>
       <p:ext uri="{BB962C8B-B14F-4D97-AF65-F5344CB8AC3E}">
         <p14:creationId xmlns:p14="http://schemas.microsoft.com/office/powerpoint/2010/main" val="4243073281"/>
+      </p:ext>
+    </p:extLst>
+  </p:cSld>
+  <p:clrMapOvr>
+    <a:masterClrMapping/>
+  </p:clrMapOvr>
+</p:sld>
+</file>
+
+<file path=ppt/slides/slide20.xml><?xml version="1.0" encoding="utf-8"?>
+<p:sld xmlns:a="http://schemas.openxmlformats.org/drawingml/2006/main" xmlns:r="http://schemas.openxmlformats.org/officeDocument/2006/relationships" xmlns:p="http://schemas.openxmlformats.org/presentationml/2006/main">
+  <p:cSld>
+    <p:spTree>
+      <p:nvGrpSpPr>
+        <p:cNvPr id="1" name=""/>
+        <p:cNvGrpSpPr/>
+        <p:nvPr/>
+      </p:nvGrpSpPr>
+      <p:grpSpPr>
+        <a:xfrm>
+          <a:off x="0" y="0"/>
+          <a:ext cx="0" cy="0"/>
+          <a:chOff x="0" y="0"/>
+          <a:chExt cx="0" cy="0"/>
+        </a:xfrm>
+      </p:grpSpPr>
+      <p:pic>
+        <p:nvPicPr>
+          <p:cNvPr id="5" name="Picture 4">
+            <a:extLst>
+              <a:ext uri="{FF2B5EF4-FFF2-40B4-BE49-F238E27FC236}">
+                <a16:creationId xmlns:a16="http://schemas.microsoft.com/office/drawing/2014/main" id="{B1FEF082-02A3-4843-B8BA-212D9DB55A69}"/>
+              </a:ext>
+            </a:extLst>
+          </p:cNvPr>
+          <p:cNvPicPr>
+            <a:picLocks noChangeAspect="1"/>
+          </p:cNvPicPr>
+          <p:nvPr/>
+        </p:nvPicPr>
+        <p:blipFill>
+          <a:blip r:embed="rId2">
+            <a:extLst>
+              <a:ext uri="{28A0092B-C50C-407E-A947-70E740481C1C}">
+                <a14:useLocalDpi xmlns:a14="http://schemas.microsoft.com/office/drawing/2010/main" val="0"/>
+              </a:ext>
+            </a:extLst>
+          </a:blip>
+          <a:stretch>
+            <a:fillRect/>
+          </a:stretch>
+        </p:blipFill>
+        <p:spPr>
+          <a:xfrm>
+            <a:off x="3429000" y="1428750"/>
+            <a:ext cx="5334000" cy="4000500"/>
+          </a:xfrm>
+          <a:prstGeom prst="rect">
+            <a:avLst/>
+          </a:prstGeom>
+        </p:spPr>
+      </p:pic>
+      <p:sp>
+        <p:nvSpPr>
+          <p:cNvPr id="6" name="TextBox 5">
+            <a:extLst>
+              <a:ext uri="{FF2B5EF4-FFF2-40B4-BE49-F238E27FC236}">
+                <a16:creationId xmlns:a16="http://schemas.microsoft.com/office/drawing/2014/main" id="{AF7FEE40-7DB6-4277-973C-A757300626C1}"/>
+              </a:ext>
+            </a:extLst>
+          </p:cNvPr>
+          <p:cNvSpPr txBox="1"/>
+          <p:nvPr/>
+        </p:nvSpPr>
+        <p:spPr>
+          <a:xfrm>
+            <a:off x="5881689" y="5152251"/>
+            <a:ext cx="720262" cy="276999"/>
+          </a:xfrm>
+          <a:prstGeom prst="rect">
+            <a:avLst/>
+          </a:prstGeom>
+          <a:noFill/>
+        </p:spPr>
+        <p:txBody>
+          <a:bodyPr wrap="none" rtlCol="0">
+            <a:spAutoFit/>
+          </a:bodyPr>
+          <a:lstStyle/>
+          <a:p>
+            <a:r>
+              <a:rPr lang="en-US" altLang="zh-CN" sz="1200" dirty="0">
+                <a:solidFill>
+                  <a:schemeClr val="tx1">
+                    <a:lumMod val="65000"/>
+                    <a:lumOff val="35000"/>
+                  </a:schemeClr>
+                </a:solidFill>
+              </a:rPr>
+              <a:t>Iteration</a:t>
+            </a:r>
+            <a:endParaRPr lang="en-US" sz="1200" dirty="0">
+              <a:solidFill>
+                <a:schemeClr val="tx1">
+                  <a:lumMod val="65000"/>
+                  <a:lumOff val="35000"/>
+                </a:schemeClr>
+              </a:solidFill>
+            </a:endParaRPr>
+          </a:p>
+        </p:txBody>
+      </p:sp>
+      <p:sp>
+        <p:nvSpPr>
+          <p:cNvPr id="7" name="TextBox 6">
+            <a:extLst>
+              <a:ext uri="{FF2B5EF4-FFF2-40B4-BE49-F238E27FC236}">
+                <a16:creationId xmlns:a16="http://schemas.microsoft.com/office/drawing/2014/main" id="{BDD3B88B-B816-4740-9ECF-38446B0D381C}"/>
+              </a:ext>
+            </a:extLst>
+          </p:cNvPr>
+          <p:cNvSpPr txBox="1"/>
+          <p:nvPr/>
+        </p:nvSpPr>
+        <p:spPr>
+          <a:xfrm>
+            <a:off x="3607356" y="2624137"/>
+            <a:ext cx="369332" cy="1352230"/>
+          </a:xfrm>
+          <a:prstGeom prst="rect">
+            <a:avLst/>
+          </a:prstGeom>
+          <a:noFill/>
+        </p:spPr>
+        <p:txBody>
+          <a:bodyPr vert="eaVert" wrap="none" rtlCol="0">
+            <a:spAutoFit/>
+          </a:bodyPr>
+          <a:lstStyle/>
+          <a:p>
+            <a:r>
+              <a:rPr lang="en-US" sz="1200" dirty="0">
+                <a:solidFill>
+                  <a:schemeClr val="tx1">
+                    <a:lumMod val="65000"/>
+                    <a:lumOff val="35000"/>
+                  </a:schemeClr>
+                </a:solidFill>
+              </a:rPr>
+              <a:t>Transportation Cost </a:t>
+            </a:r>
+          </a:p>
+        </p:txBody>
+      </p:sp>
+    </p:spTree>
+    <p:extLst>
+      <p:ext uri="{BB962C8B-B14F-4D97-AF65-F5344CB8AC3E}">
+        <p14:creationId xmlns:p14="http://schemas.microsoft.com/office/powerpoint/2010/main" val="2724630386"/>
       </p:ext>
     </p:extLst>
   </p:cSld>
